--- a/Propuesta económica .pptx
+++ b/Propuesta económica .pptx
@@ -109,6 +109,11 @@
       </a:defRPr>
     </a:lvl9pPr>
   </p:defaultTextStyle>
+  <p:extLst>
+    <p:ext uri="{EFAFB233-063F-42B5-8137-9DF3F51BA10A}">
+      <p15:sldGuideLst xmlns:p15="http://schemas.microsoft.com/office/powerpoint/2012/main"/>
+    </p:ext>
+  </p:extLst>
 </p:presentation>
 </file>
 
@@ -245,7 +250,7 @@
           <a:p>
             <a:fld id="{02AC24A9-CCB6-4F8D-B8DB-C2F3692CFA5A}" type="datetimeFigureOut">
               <a:rPr lang="en-US" smtClean="0"/>
-              <a:t>5/12/2020</a:t>
+              <a:t>5/14/2020</a:t>
             </a:fld>
             <a:endParaRPr lang="en-US"/>
           </a:p>
@@ -532,7 +537,7 @@
           <a:p>
             <a:fld id="{02AC24A9-CCB6-4F8D-B8DB-C2F3692CFA5A}" type="datetimeFigureOut">
               <a:rPr lang="en-US" smtClean="0"/>
-              <a:t>5/12/2020</a:t>
+              <a:t>5/14/2020</a:t>
             </a:fld>
             <a:endParaRPr lang="en-US"/>
           </a:p>
@@ -724,7 +729,7 @@
           <a:p>
             <a:fld id="{02AC24A9-CCB6-4F8D-B8DB-C2F3692CFA5A}" type="datetimeFigureOut">
               <a:rPr lang="en-US" smtClean="0"/>
-              <a:t>5/12/2020</a:t>
+              <a:t>5/14/2020</a:t>
             </a:fld>
             <a:endParaRPr lang="en-US"/>
           </a:p>
@@ -985,7 +990,7 @@
           <a:p>
             <a:fld id="{02AC24A9-CCB6-4F8D-B8DB-C2F3692CFA5A}" type="datetimeFigureOut">
               <a:rPr lang="en-US" smtClean="0"/>
-              <a:t>5/12/2020</a:t>
+              <a:t>5/14/2020</a:t>
             </a:fld>
             <a:endParaRPr lang="en-US"/>
           </a:p>
@@ -1409,7 +1414,7 @@
           <a:p>
             <a:fld id="{02AC24A9-CCB6-4F8D-B8DB-C2F3692CFA5A}" type="datetimeFigureOut">
               <a:rPr lang="en-US" smtClean="0"/>
-              <a:t>5/12/2020</a:t>
+              <a:t>5/14/2020</a:t>
             </a:fld>
             <a:endParaRPr lang="en-US"/>
           </a:p>
@@ -1955,7 +1960,7 @@
           <a:p>
             <a:fld id="{02AC24A9-CCB6-4F8D-B8DB-C2F3692CFA5A}" type="datetimeFigureOut">
               <a:rPr lang="en-US" smtClean="0"/>
-              <a:t>5/12/2020</a:t>
+              <a:t>5/14/2020</a:t>
             </a:fld>
             <a:endParaRPr lang="en-US"/>
           </a:p>
@@ -2795,7 +2800,7 @@
           <a:p>
             <a:fld id="{02AC24A9-CCB6-4F8D-B8DB-C2F3692CFA5A}" type="datetimeFigureOut">
               <a:rPr lang="en-US" smtClean="0"/>
-              <a:t>5/12/2020</a:t>
+              <a:t>5/14/2020</a:t>
             </a:fld>
             <a:endParaRPr lang="en-US"/>
           </a:p>
@@ -2965,7 +2970,7 @@
           <a:p>
             <a:fld id="{02AC24A9-CCB6-4F8D-B8DB-C2F3692CFA5A}" type="datetimeFigureOut">
               <a:rPr lang="en-US" smtClean="0"/>
-              <a:t>5/12/2020</a:t>
+              <a:t>5/14/2020</a:t>
             </a:fld>
             <a:endParaRPr lang="en-US"/>
           </a:p>
@@ -3149,7 +3154,7 @@
           <a:p>
             <a:fld id="{02AC24A9-CCB6-4F8D-B8DB-C2F3692CFA5A}" type="datetimeFigureOut">
               <a:rPr lang="en-US" smtClean="0"/>
-              <a:t>5/12/2020</a:t>
+              <a:t>5/14/2020</a:t>
             </a:fld>
             <a:endParaRPr lang="en-US"/>
           </a:p>
@@ -3319,7 +3324,7 @@
           <a:p>
             <a:fld id="{02AC24A9-CCB6-4F8D-B8DB-C2F3692CFA5A}" type="datetimeFigureOut">
               <a:rPr lang="en-US" smtClean="0"/>
-              <a:t>5/12/2020</a:t>
+              <a:t>5/14/2020</a:t>
             </a:fld>
             <a:endParaRPr lang="en-US"/>
           </a:p>
@@ -3567,7 +3572,7 @@
           <a:p>
             <a:fld id="{02AC24A9-CCB6-4F8D-B8DB-C2F3692CFA5A}" type="datetimeFigureOut">
               <a:rPr lang="en-US" smtClean="0"/>
-              <a:t>5/12/2020</a:t>
+              <a:t>5/14/2020</a:t>
             </a:fld>
             <a:endParaRPr lang="en-US"/>
           </a:p>
@@ -3804,7 +3809,7 @@
           <a:p>
             <a:fld id="{02AC24A9-CCB6-4F8D-B8DB-C2F3692CFA5A}" type="datetimeFigureOut">
               <a:rPr lang="en-US" smtClean="0"/>
-              <a:t>5/12/2020</a:t>
+              <a:t>5/14/2020</a:t>
             </a:fld>
             <a:endParaRPr lang="en-US"/>
           </a:p>
@@ -4177,7 +4182,7 @@
           <a:p>
             <a:fld id="{02AC24A9-CCB6-4F8D-B8DB-C2F3692CFA5A}" type="datetimeFigureOut">
               <a:rPr lang="en-US" smtClean="0"/>
-              <a:t>5/12/2020</a:t>
+              <a:t>5/14/2020</a:t>
             </a:fld>
             <a:endParaRPr lang="en-US"/>
           </a:p>
@@ -4295,7 +4300,7 @@
           <a:p>
             <a:fld id="{02AC24A9-CCB6-4F8D-B8DB-C2F3692CFA5A}" type="datetimeFigureOut">
               <a:rPr lang="en-US" smtClean="0"/>
-              <a:t>5/12/2020</a:t>
+              <a:t>5/14/2020</a:t>
             </a:fld>
             <a:endParaRPr lang="en-US"/>
           </a:p>
@@ -4390,7 +4395,7 @@
           <a:p>
             <a:fld id="{02AC24A9-CCB6-4F8D-B8DB-C2F3692CFA5A}" type="datetimeFigureOut">
               <a:rPr lang="en-US" smtClean="0"/>
-              <a:t>5/12/2020</a:t>
+              <a:t>5/14/2020</a:t>
             </a:fld>
             <a:endParaRPr lang="en-US"/>
           </a:p>
@@ -4641,7 +4646,7 @@
           <a:p>
             <a:fld id="{02AC24A9-CCB6-4F8D-B8DB-C2F3692CFA5A}" type="datetimeFigureOut">
               <a:rPr lang="en-US" smtClean="0"/>
-              <a:t>5/12/2020</a:t>
+              <a:t>5/14/2020</a:t>
             </a:fld>
             <a:endParaRPr lang="en-US"/>
           </a:p>
@@ -4928,7 +4933,7 @@
           <a:p>
             <a:fld id="{02AC24A9-CCB6-4F8D-B8DB-C2F3692CFA5A}" type="datetimeFigureOut">
               <a:rPr lang="en-US" smtClean="0"/>
-              <a:t>5/12/2020</a:t>
+              <a:t>5/14/2020</a:t>
             </a:fld>
             <a:endParaRPr lang="en-US"/>
           </a:p>
@@ -5141,7 +5146,7 @@
           <a:p>
             <a:fld id="{02AC24A9-CCB6-4F8D-B8DB-C2F3692CFA5A}" type="datetimeFigureOut">
               <a:rPr lang="en-US" smtClean="0"/>
-              <a:t>5/12/2020</a:t>
+              <a:t>5/14/2020</a:t>
             </a:fld>
             <a:endParaRPr lang="en-US"/>
           </a:p>
@@ -5737,6 +5742,42 @@
           </a:p>
         </p:txBody>
       </p:sp>
+      <p:pic>
+        <p:nvPicPr>
+          <p:cNvPr id="6" name="Imagen 5">
+            <a:extLst>
+              <a:ext uri="{FF2B5EF4-FFF2-40B4-BE49-F238E27FC236}">
+                <a16:creationId xmlns:a16="http://schemas.microsoft.com/office/drawing/2014/main" id="{C712B891-8BF5-41D0-B8EF-DD21E1FCC4CD}"/>
+              </a:ext>
+            </a:extLst>
+          </p:cNvPr>
+          <p:cNvPicPr>
+            <a:picLocks noChangeAspect="1"/>
+          </p:cNvPicPr>
+          <p:nvPr/>
+        </p:nvPicPr>
+        <p:blipFill>
+          <a:blip r:embed="rId3">
+            <a:extLst>
+              <a:ext uri="{28A0092B-C50C-407E-A947-70E740481C1C}">
+                <a14:useLocalDpi xmlns:a14="http://schemas.microsoft.com/office/drawing/2010/main" val="0"/>
+              </a:ext>
+            </a:extLst>
+          </a:blip>
+          <a:stretch>
+            <a:fillRect/>
+          </a:stretch>
+        </p:blipFill>
+        <p:spPr>
+          <a:xfrm>
+            <a:off x="9686490" y="0"/>
+            <a:ext cx="2505510" cy="822121"/>
+          </a:xfrm>
+          <a:prstGeom prst="rect">
+            <a:avLst/>
+          </a:prstGeom>
+        </p:spPr>
+      </p:pic>
     </p:spTree>
     <p:extLst>
       <p:ext uri="{BB962C8B-B14F-4D97-AF65-F5344CB8AC3E}">
@@ -5860,6 +5901,42 @@
             <a:tailEnd/>
           </a:ln>
           <a:effectLst/>
+        </p:spPr>
+      </p:pic>
+      <p:pic>
+        <p:nvPicPr>
+          <p:cNvPr id="6" name="Imagen 5">
+            <a:extLst>
+              <a:ext uri="{FF2B5EF4-FFF2-40B4-BE49-F238E27FC236}">
+                <a16:creationId xmlns:a16="http://schemas.microsoft.com/office/drawing/2014/main" id="{D3D53827-22EC-486E-82CE-8234CC666294}"/>
+              </a:ext>
+            </a:extLst>
+          </p:cNvPr>
+          <p:cNvPicPr>
+            <a:picLocks noChangeAspect="1"/>
+          </p:cNvPicPr>
+          <p:nvPr/>
+        </p:nvPicPr>
+        <p:blipFill>
+          <a:blip r:embed="rId3">
+            <a:extLst>
+              <a:ext uri="{28A0092B-C50C-407E-A947-70E740481C1C}">
+                <a14:useLocalDpi xmlns:a14="http://schemas.microsoft.com/office/drawing/2010/main" val="0"/>
+              </a:ext>
+            </a:extLst>
+          </a:blip>
+          <a:stretch>
+            <a:fillRect/>
+          </a:stretch>
+        </p:blipFill>
+        <p:spPr>
+          <a:xfrm>
+            <a:off x="9686490" y="0"/>
+            <a:ext cx="2505510" cy="822121"/>
+          </a:xfrm>
+          <a:prstGeom prst="rect">
+            <a:avLst/>
+          </a:prstGeom>
         </p:spPr>
       </p:pic>
     </p:spTree>
@@ -5993,6 +6070,42 @@
           </a:extLst>
         </p:spPr>
       </p:pic>
+      <p:pic>
+        <p:nvPicPr>
+          <p:cNvPr id="5" name="Imagen 4">
+            <a:extLst>
+              <a:ext uri="{FF2B5EF4-FFF2-40B4-BE49-F238E27FC236}">
+                <a16:creationId xmlns:a16="http://schemas.microsoft.com/office/drawing/2014/main" id="{681AC9B1-1E18-4CE4-9AD9-C49AEF54611E}"/>
+              </a:ext>
+            </a:extLst>
+          </p:cNvPr>
+          <p:cNvPicPr>
+            <a:picLocks noChangeAspect="1"/>
+          </p:cNvPicPr>
+          <p:nvPr/>
+        </p:nvPicPr>
+        <p:blipFill>
+          <a:blip r:embed="rId3">
+            <a:extLst>
+              <a:ext uri="{28A0092B-C50C-407E-A947-70E740481C1C}">
+                <a14:useLocalDpi xmlns:a14="http://schemas.microsoft.com/office/drawing/2010/main" val="0"/>
+              </a:ext>
+            </a:extLst>
+          </a:blip>
+          <a:stretch>
+            <a:fillRect/>
+          </a:stretch>
+        </p:blipFill>
+        <p:spPr>
+          <a:xfrm>
+            <a:off x="10193154" y="1"/>
+            <a:ext cx="1998846" cy="655872"/>
+          </a:xfrm>
+          <a:prstGeom prst="rect">
+            <a:avLst/>
+          </a:prstGeom>
+        </p:spPr>
+      </p:pic>
     </p:spTree>
     <p:extLst>
       <p:ext uri="{BB962C8B-B14F-4D97-AF65-F5344CB8AC3E}">
@@ -6143,6 +6256,42 @@
               </a14:hiddenFill>
             </a:ext>
           </a:extLst>
+        </p:spPr>
+      </p:pic>
+      <p:pic>
+        <p:nvPicPr>
+          <p:cNvPr id="5" name="Imagen 4">
+            <a:extLst>
+              <a:ext uri="{FF2B5EF4-FFF2-40B4-BE49-F238E27FC236}">
+                <a16:creationId xmlns:a16="http://schemas.microsoft.com/office/drawing/2014/main" id="{ADD02D33-7B83-45F2-A0D4-041B9362CD09}"/>
+              </a:ext>
+            </a:extLst>
+          </p:cNvPr>
+          <p:cNvPicPr>
+            <a:picLocks noChangeAspect="1"/>
+          </p:cNvPicPr>
+          <p:nvPr/>
+        </p:nvPicPr>
+        <p:blipFill>
+          <a:blip r:embed="rId4">
+            <a:extLst>
+              <a:ext uri="{28A0092B-C50C-407E-A947-70E740481C1C}">
+                <a14:useLocalDpi xmlns:a14="http://schemas.microsoft.com/office/drawing/2010/main" val="0"/>
+              </a:ext>
+            </a:extLst>
+          </a:blip>
+          <a:stretch>
+            <a:fillRect/>
+          </a:stretch>
+        </p:blipFill>
+        <p:spPr>
+          <a:xfrm>
+            <a:off x="9686490" y="0"/>
+            <a:ext cx="2505510" cy="822121"/>
+          </a:xfrm>
+          <a:prstGeom prst="rect">
+            <a:avLst/>
+          </a:prstGeom>
         </p:spPr>
       </p:pic>
     </p:spTree>
@@ -6322,6 +6471,42 @@
           </a:extLst>
         </p:spPr>
       </p:pic>
+      <p:pic>
+        <p:nvPicPr>
+          <p:cNvPr id="6" name="Imagen 5">
+            <a:extLst>
+              <a:ext uri="{FF2B5EF4-FFF2-40B4-BE49-F238E27FC236}">
+                <a16:creationId xmlns:a16="http://schemas.microsoft.com/office/drawing/2014/main" id="{CFEB2F6C-04ED-43DB-9CC6-057116882F81}"/>
+              </a:ext>
+            </a:extLst>
+          </p:cNvPr>
+          <p:cNvPicPr>
+            <a:picLocks noChangeAspect="1"/>
+          </p:cNvPicPr>
+          <p:nvPr/>
+        </p:nvPicPr>
+        <p:blipFill>
+          <a:blip r:embed="rId4">
+            <a:extLst>
+              <a:ext uri="{28A0092B-C50C-407E-A947-70E740481C1C}">
+                <a14:useLocalDpi xmlns:a14="http://schemas.microsoft.com/office/drawing/2010/main" val="0"/>
+              </a:ext>
+            </a:extLst>
+          </a:blip>
+          <a:stretch>
+            <a:fillRect/>
+          </a:stretch>
+        </p:blipFill>
+        <p:spPr>
+          <a:xfrm>
+            <a:off x="9686490" y="0"/>
+            <a:ext cx="2505510" cy="822121"/>
+          </a:xfrm>
+          <a:prstGeom prst="rect">
+            <a:avLst/>
+          </a:prstGeom>
+        </p:spPr>
+      </p:pic>
     </p:spTree>
     <p:extLst>
       <p:ext uri="{BB962C8B-B14F-4D97-AF65-F5344CB8AC3E}">
@@ -6427,6 +6612,42 @@
               </a14:hiddenFill>
             </a:ext>
           </a:extLst>
+        </p:spPr>
+      </p:pic>
+      <p:pic>
+        <p:nvPicPr>
+          <p:cNvPr id="4" name="Imagen 3">
+            <a:extLst>
+              <a:ext uri="{FF2B5EF4-FFF2-40B4-BE49-F238E27FC236}">
+                <a16:creationId xmlns:a16="http://schemas.microsoft.com/office/drawing/2014/main" id="{1A004F3D-0464-4C21-93FB-26A7CC822013}"/>
+              </a:ext>
+            </a:extLst>
+          </p:cNvPr>
+          <p:cNvPicPr>
+            <a:picLocks noChangeAspect="1"/>
+          </p:cNvPicPr>
+          <p:nvPr/>
+        </p:nvPicPr>
+        <p:blipFill>
+          <a:blip r:embed="rId3">
+            <a:extLst>
+              <a:ext uri="{28A0092B-C50C-407E-A947-70E740481C1C}">
+                <a14:useLocalDpi xmlns:a14="http://schemas.microsoft.com/office/drawing/2010/main" val="0"/>
+              </a:ext>
+            </a:extLst>
+          </a:blip>
+          <a:stretch>
+            <a:fillRect/>
+          </a:stretch>
+        </p:blipFill>
+        <p:spPr>
+          <a:xfrm>
+            <a:off x="9686490" y="0"/>
+            <a:ext cx="2505510" cy="822121"/>
+          </a:xfrm>
+          <a:prstGeom prst="rect">
+            <a:avLst/>
+          </a:prstGeom>
         </p:spPr>
       </p:pic>
     </p:spTree>

--- a/Propuesta económica .pptx
+++ b/Propuesta económica .pptx
@@ -5682,7 +5682,7 @@
         </p:nvSpPr>
         <p:spPr>
           <a:xfrm>
-            <a:off x="404553" y="3091928"/>
+            <a:off x="1556718" y="3166971"/>
             <a:ext cx="9078562" cy="2387600"/>
           </a:xfrm>
         </p:spPr>
@@ -5717,7 +5717,7 @@
         </p:nvSpPr>
         <p:spPr>
           <a:xfrm>
-            <a:off x="404553" y="5624945"/>
+            <a:off x="1556718" y="5667676"/>
             <a:ext cx="9078562" cy="592975"/>
           </a:xfrm>
         </p:spPr>
@@ -5744,15 +5744,15 @@
       </p:sp>
       <p:pic>
         <p:nvPicPr>
-          <p:cNvPr id="6" name="Imagen 5">
+          <p:cNvPr id="1028" name="Picture 4">
             <a:extLst>
               <a:ext uri="{FF2B5EF4-FFF2-40B4-BE49-F238E27FC236}">
-                <a16:creationId xmlns:a16="http://schemas.microsoft.com/office/drawing/2014/main" id="{C712B891-8BF5-41D0-B8EF-DD21E1FCC4CD}"/>
+                <a16:creationId xmlns:a16="http://schemas.microsoft.com/office/drawing/2014/main" id="{7C1ADD5B-D9E1-4D38-849A-F427CF0F2776}"/>
               </a:ext>
             </a:extLst>
           </p:cNvPr>
           <p:cNvPicPr>
-            <a:picLocks noChangeAspect="1"/>
+            <a:picLocks noChangeAspect="1" noChangeArrowheads="1"/>
           </p:cNvPicPr>
           <p:nvPr/>
         </p:nvPicPr>
@@ -5764,18 +5764,29 @@
               </a:ext>
             </a:extLst>
           </a:blip>
+          <a:srcRect/>
           <a:stretch>
             <a:fillRect/>
           </a:stretch>
         </p:blipFill>
-        <p:spPr>
+        <p:spPr bwMode="auto">
           <a:xfrm>
-            <a:off x="9686490" y="0"/>
-            <a:ext cx="2505510" cy="822121"/>
+            <a:off x="2175071" y="893836"/>
+            <a:ext cx="7841857" cy="2573109"/>
           </a:xfrm>
           <a:prstGeom prst="rect">
             <a:avLst/>
           </a:prstGeom>
+          <a:noFill/>
+          <a:extLst>
+            <a:ext uri="{909E8E84-426E-40DD-AFC4-6F175D3DCCD1}">
+              <a14:hiddenFill xmlns:a14="http://schemas.microsoft.com/office/drawing/2010/main">
+                <a:solidFill>
+                  <a:srgbClr val="FFFFFF"/>
+                </a:solidFill>
+              </a14:hiddenFill>
+            </a:ext>
+          </a:extLst>
         </p:spPr>
       </p:pic>
     </p:spTree>
@@ -5901,42 +5912,6 @@
             <a:tailEnd/>
           </a:ln>
           <a:effectLst/>
-        </p:spPr>
-      </p:pic>
-      <p:pic>
-        <p:nvPicPr>
-          <p:cNvPr id="6" name="Imagen 5">
-            <a:extLst>
-              <a:ext uri="{FF2B5EF4-FFF2-40B4-BE49-F238E27FC236}">
-                <a16:creationId xmlns:a16="http://schemas.microsoft.com/office/drawing/2014/main" id="{D3D53827-22EC-486E-82CE-8234CC666294}"/>
-              </a:ext>
-            </a:extLst>
-          </p:cNvPr>
-          <p:cNvPicPr>
-            <a:picLocks noChangeAspect="1"/>
-          </p:cNvPicPr>
-          <p:nvPr/>
-        </p:nvPicPr>
-        <p:blipFill>
-          <a:blip r:embed="rId3">
-            <a:extLst>
-              <a:ext uri="{28A0092B-C50C-407E-A947-70E740481C1C}">
-                <a14:useLocalDpi xmlns:a14="http://schemas.microsoft.com/office/drawing/2010/main" val="0"/>
-              </a:ext>
-            </a:extLst>
-          </a:blip>
-          <a:stretch>
-            <a:fillRect/>
-          </a:stretch>
-        </p:blipFill>
-        <p:spPr>
-          <a:xfrm>
-            <a:off x="9686490" y="0"/>
-            <a:ext cx="2505510" cy="822121"/>
-          </a:xfrm>
-          <a:prstGeom prst="rect">
-            <a:avLst/>
-          </a:prstGeom>
         </p:spPr>
       </p:pic>
     </p:spTree>
@@ -6068,42 +6043,6 @@
               <a14:shadowObscured xmlns:a14="http://schemas.microsoft.com/office/drawing/2010/main"/>
             </a:ext>
           </a:extLst>
-        </p:spPr>
-      </p:pic>
-      <p:pic>
-        <p:nvPicPr>
-          <p:cNvPr id="5" name="Imagen 4">
-            <a:extLst>
-              <a:ext uri="{FF2B5EF4-FFF2-40B4-BE49-F238E27FC236}">
-                <a16:creationId xmlns:a16="http://schemas.microsoft.com/office/drawing/2014/main" id="{681AC9B1-1E18-4CE4-9AD9-C49AEF54611E}"/>
-              </a:ext>
-            </a:extLst>
-          </p:cNvPr>
-          <p:cNvPicPr>
-            <a:picLocks noChangeAspect="1"/>
-          </p:cNvPicPr>
-          <p:nvPr/>
-        </p:nvPicPr>
-        <p:blipFill>
-          <a:blip r:embed="rId3">
-            <a:extLst>
-              <a:ext uri="{28A0092B-C50C-407E-A947-70E740481C1C}">
-                <a14:useLocalDpi xmlns:a14="http://schemas.microsoft.com/office/drawing/2010/main" val="0"/>
-              </a:ext>
-            </a:extLst>
-          </a:blip>
-          <a:stretch>
-            <a:fillRect/>
-          </a:stretch>
-        </p:blipFill>
-        <p:spPr>
-          <a:xfrm>
-            <a:off x="10193154" y="1"/>
-            <a:ext cx="1998846" cy="655872"/>
-          </a:xfrm>
-          <a:prstGeom prst="rect">
-            <a:avLst/>
-          </a:prstGeom>
         </p:spPr>
       </p:pic>
     </p:spTree>
@@ -6258,42 +6197,6 @@
           </a:extLst>
         </p:spPr>
       </p:pic>
-      <p:pic>
-        <p:nvPicPr>
-          <p:cNvPr id="5" name="Imagen 4">
-            <a:extLst>
-              <a:ext uri="{FF2B5EF4-FFF2-40B4-BE49-F238E27FC236}">
-                <a16:creationId xmlns:a16="http://schemas.microsoft.com/office/drawing/2014/main" id="{ADD02D33-7B83-45F2-A0D4-041B9362CD09}"/>
-              </a:ext>
-            </a:extLst>
-          </p:cNvPr>
-          <p:cNvPicPr>
-            <a:picLocks noChangeAspect="1"/>
-          </p:cNvPicPr>
-          <p:nvPr/>
-        </p:nvPicPr>
-        <p:blipFill>
-          <a:blip r:embed="rId4">
-            <a:extLst>
-              <a:ext uri="{28A0092B-C50C-407E-A947-70E740481C1C}">
-                <a14:useLocalDpi xmlns:a14="http://schemas.microsoft.com/office/drawing/2010/main" val="0"/>
-              </a:ext>
-            </a:extLst>
-          </a:blip>
-          <a:stretch>
-            <a:fillRect/>
-          </a:stretch>
-        </p:blipFill>
-        <p:spPr>
-          <a:xfrm>
-            <a:off x="9686490" y="0"/>
-            <a:ext cx="2505510" cy="822121"/>
-          </a:xfrm>
-          <a:prstGeom prst="rect">
-            <a:avLst/>
-          </a:prstGeom>
-        </p:spPr>
-      </p:pic>
     </p:spTree>
     <p:extLst>
       <p:ext uri="{BB962C8B-B14F-4D97-AF65-F5344CB8AC3E}">
@@ -6471,42 +6374,6 @@
           </a:extLst>
         </p:spPr>
       </p:pic>
-      <p:pic>
-        <p:nvPicPr>
-          <p:cNvPr id="6" name="Imagen 5">
-            <a:extLst>
-              <a:ext uri="{FF2B5EF4-FFF2-40B4-BE49-F238E27FC236}">
-                <a16:creationId xmlns:a16="http://schemas.microsoft.com/office/drawing/2014/main" id="{CFEB2F6C-04ED-43DB-9CC6-057116882F81}"/>
-              </a:ext>
-            </a:extLst>
-          </p:cNvPr>
-          <p:cNvPicPr>
-            <a:picLocks noChangeAspect="1"/>
-          </p:cNvPicPr>
-          <p:nvPr/>
-        </p:nvPicPr>
-        <p:blipFill>
-          <a:blip r:embed="rId4">
-            <a:extLst>
-              <a:ext uri="{28A0092B-C50C-407E-A947-70E740481C1C}">
-                <a14:useLocalDpi xmlns:a14="http://schemas.microsoft.com/office/drawing/2010/main" val="0"/>
-              </a:ext>
-            </a:extLst>
-          </a:blip>
-          <a:stretch>
-            <a:fillRect/>
-          </a:stretch>
-        </p:blipFill>
-        <p:spPr>
-          <a:xfrm>
-            <a:off x="9686490" y="0"/>
-            <a:ext cx="2505510" cy="822121"/>
-          </a:xfrm>
-          <a:prstGeom prst="rect">
-            <a:avLst/>
-          </a:prstGeom>
-        </p:spPr>
-      </p:pic>
     </p:spTree>
     <p:extLst>
       <p:ext uri="{BB962C8B-B14F-4D97-AF65-F5344CB8AC3E}">
@@ -6612,42 +6479,6 @@
               </a14:hiddenFill>
             </a:ext>
           </a:extLst>
-        </p:spPr>
-      </p:pic>
-      <p:pic>
-        <p:nvPicPr>
-          <p:cNvPr id="4" name="Imagen 3">
-            <a:extLst>
-              <a:ext uri="{FF2B5EF4-FFF2-40B4-BE49-F238E27FC236}">
-                <a16:creationId xmlns:a16="http://schemas.microsoft.com/office/drawing/2014/main" id="{1A004F3D-0464-4C21-93FB-26A7CC822013}"/>
-              </a:ext>
-            </a:extLst>
-          </p:cNvPr>
-          <p:cNvPicPr>
-            <a:picLocks noChangeAspect="1"/>
-          </p:cNvPicPr>
-          <p:nvPr/>
-        </p:nvPicPr>
-        <p:blipFill>
-          <a:blip r:embed="rId3">
-            <a:extLst>
-              <a:ext uri="{28A0092B-C50C-407E-A947-70E740481C1C}">
-                <a14:useLocalDpi xmlns:a14="http://schemas.microsoft.com/office/drawing/2010/main" val="0"/>
-              </a:ext>
-            </a:extLst>
-          </a:blip>
-          <a:stretch>
-            <a:fillRect/>
-          </a:stretch>
-        </p:blipFill>
-        <p:spPr>
-          <a:xfrm>
-            <a:off x="9686490" y="0"/>
-            <a:ext cx="2505510" cy="822121"/>
-          </a:xfrm>
-          <a:prstGeom prst="rect">
-            <a:avLst/>
-          </a:prstGeom>
         </p:spPr>
       </p:pic>
     </p:spTree>
